--- a/Presentation1.pptx
+++ b/Presentation1.pptx
@@ -10,6 +10,7 @@
     <p:sldId id="258" r:id="rId4"/>
     <p:sldId id="259" r:id="rId5"/>
     <p:sldId id="260" r:id="rId6"/>
+    <p:sldId id="261" r:id="rId7"/>
   </p:sldIdLst>
   <p:sldSz cx="9144000" cy="6858000" type="screen4x3"/>
   <p:notesSz cx="6858000" cy="9144000"/>
@@ -3356,8 +3357,8 @@
           </a:p>
         </p:txBody>
       </p:sp>
-      <mc:AlternateContent xmlns:mc="http://schemas.openxmlformats.org/markup-compatibility/2006">
-        <mc:Choice xmlns:a14="http://schemas.microsoft.com/office/drawing/2010/main" Requires="a14">
+      <mc:AlternateContent xmlns:mc="http://schemas.openxmlformats.org/markup-compatibility/2006" xmlns:a14="http://schemas.microsoft.com/office/drawing/2010/main">
+        <mc:Choice Requires="a14">
           <p:sp>
             <p:nvSpPr>
               <p:cNvPr id="6" name="TextBox 5"/>
@@ -3380,6 +3381,7 @@
               </a:bodyPr>
               <a:lstStyle/>
               <a:p>
+                <a:pPr/>
                 <a14:m>
                   <m:oMathPara xmlns:m="http://schemas.openxmlformats.org/officeDocument/2006/math">
                     <m:oMathParaPr>
@@ -3419,7 +3421,7 @@
             </p:txBody>
           </p:sp>
         </mc:Choice>
-        <mc:Fallback>
+        <mc:Fallback xmlns="">
           <p:sp>
             <p:nvSpPr>
               <p:cNvPr id="6" name="TextBox 5"/>
@@ -3458,8 +3460,8 @@
           </p:sp>
         </mc:Fallback>
       </mc:AlternateContent>
-      <mc:AlternateContent xmlns:mc="http://schemas.openxmlformats.org/markup-compatibility/2006">
-        <mc:Choice xmlns:a14="http://schemas.microsoft.com/office/drawing/2010/main" Requires="a14">
+      <mc:AlternateContent xmlns:mc="http://schemas.openxmlformats.org/markup-compatibility/2006" xmlns:a14="http://schemas.microsoft.com/office/drawing/2010/main">
+        <mc:Choice Requires="a14">
           <p:sp>
             <p:nvSpPr>
               <p:cNvPr id="7" name="TextBox 6"/>
@@ -3482,6 +3484,7 @@
               </a:bodyPr>
               <a:lstStyle/>
               <a:p>
+                <a:pPr/>
                 <a14:m>
                   <m:oMathPara xmlns:m="http://schemas.openxmlformats.org/officeDocument/2006/math">
                     <m:oMathParaPr>
@@ -3521,7 +3524,7 @@
             </p:txBody>
           </p:sp>
         </mc:Choice>
-        <mc:Fallback>
+        <mc:Fallback xmlns="">
           <p:sp>
             <p:nvSpPr>
               <p:cNvPr id="7" name="TextBox 6"/>
@@ -3560,8 +3563,8 @@
           </p:sp>
         </mc:Fallback>
       </mc:AlternateContent>
-      <mc:AlternateContent xmlns:mc="http://schemas.openxmlformats.org/markup-compatibility/2006">
-        <mc:Choice xmlns:a14="http://schemas.microsoft.com/office/drawing/2010/main" Requires="a14">
+      <mc:AlternateContent xmlns:mc="http://schemas.openxmlformats.org/markup-compatibility/2006" xmlns:a14="http://schemas.microsoft.com/office/drawing/2010/main">
+        <mc:Choice Requires="a14">
           <p:sp>
             <p:nvSpPr>
               <p:cNvPr id="8" name="TextBox 7"/>
@@ -3584,6 +3587,7 @@
               </a:bodyPr>
               <a:lstStyle/>
               <a:p>
+                <a:pPr/>
                 <a14:m>
                   <m:oMathPara xmlns:m="http://schemas.openxmlformats.org/officeDocument/2006/math">
                     <m:oMathParaPr>
@@ -3623,7 +3627,7 @@
             </p:txBody>
           </p:sp>
         </mc:Choice>
-        <mc:Fallback>
+        <mc:Fallback xmlns="">
           <p:sp>
             <p:nvSpPr>
               <p:cNvPr id="8" name="TextBox 7"/>
@@ -3662,8 +3666,8 @@
           </p:sp>
         </mc:Fallback>
       </mc:AlternateContent>
-      <mc:AlternateContent xmlns:mc="http://schemas.openxmlformats.org/markup-compatibility/2006">
-        <mc:Choice xmlns:a14="http://schemas.microsoft.com/office/drawing/2010/main" Requires="a14">
+      <mc:AlternateContent xmlns:mc="http://schemas.openxmlformats.org/markup-compatibility/2006" xmlns:a14="http://schemas.microsoft.com/office/drawing/2010/main">
+        <mc:Choice Requires="a14">
           <p:sp>
             <p:nvSpPr>
               <p:cNvPr id="9" name="TextBox 8"/>
@@ -3686,6 +3690,7 @@
               </a:bodyPr>
               <a:lstStyle/>
               <a:p>
+                <a:pPr/>
                 <a14:m>
                   <m:oMathPara xmlns:m="http://schemas.openxmlformats.org/officeDocument/2006/math">
                     <m:oMathParaPr>
@@ -3725,7 +3730,7 @@
             </p:txBody>
           </p:sp>
         </mc:Choice>
-        <mc:Fallback>
+        <mc:Fallback xmlns="">
           <p:sp>
             <p:nvSpPr>
               <p:cNvPr id="9" name="TextBox 8"/>
@@ -3886,8 +3891,8 @@
           </a:p>
         </p:txBody>
       </p:sp>
-      <mc:AlternateContent xmlns:mc="http://schemas.openxmlformats.org/markup-compatibility/2006">
-        <mc:Choice xmlns:a14="http://schemas.microsoft.com/office/drawing/2010/main" Requires="a14">
+      <mc:AlternateContent xmlns:mc="http://schemas.openxmlformats.org/markup-compatibility/2006" xmlns:a14="http://schemas.microsoft.com/office/drawing/2010/main">
+        <mc:Choice Requires="a14">
           <p:sp>
             <p:nvSpPr>
               <p:cNvPr id="4" name="TextBox 3"/>
@@ -3910,6 +3915,7 @@
               </a:bodyPr>
               <a:lstStyle/>
               <a:p>
+                <a:pPr/>
                 <a14:m>
                   <m:oMathPara xmlns:m="http://schemas.openxmlformats.org/officeDocument/2006/math">
                     <m:oMathParaPr>
@@ -3930,7 +3936,7 @@
             </p:txBody>
           </p:sp>
         </mc:Choice>
-        <mc:Fallback>
+        <mc:Fallback xmlns="">
           <p:sp>
             <p:nvSpPr>
               <p:cNvPr id="4" name="TextBox 3"/>
@@ -3969,8 +3975,8 @@
           </p:sp>
         </mc:Fallback>
       </mc:AlternateContent>
-      <mc:AlternateContent xmlns:mc="http://schemas.openxmlformats.org/markup-compatibility/2006">
-        <mc:Choice xmlns:a14="http://schemas.microsoft.com/office/drawing/2010/main" Requires="a14">
+      <mc:AlternateContent xmlns:mc="http://schemas.openxmlformats.org/markup-compatibility/2006" xmlns:a14="http://schemas.microsoft.com/office/drawing/2010/main">
+        <mc:Choice Requires="a14">
           <p:sp>
             <p:nvSpPr>
               <p:cNvPr id="5" name="TextBox 4"/>
@@ -3993,6 +3999,7 @@
               </a:bodyPr>
               <a:lstStyle/>
               <a:p>
+                <a:pPr/>
                 <a14:m>
                   <m:oMathPara xmlns:m="http://schemas.openxmlformats.org/officeDocument/2006/math">
                     <m:oMathParaPr>
@@ -4020,7 +4027,7 @@
             </p:txBody>
           </p:sp>
         </mc:Choice>
-        <mc:Fallback>
+        <mc:Fallback xmlns="">
           <p:sp>
             <p:nvSpPr>
               <p:cNvPr id="5" name="TextBox 4"/>
@@ -4151,8 +4158,8 @@
           </a:p>
         </p:txBody>
       </p:sp>
-      <mc:AlternateContent xmlns:mc="http://schemas.openxmlformats.org/markup-compatibility/2006">
-        <mc:Choice xmlns:a14="http://schemas.microsoft.com/office/drawing/2010/main" Requires="a14">
+      <mc:AlternateContent xmlns:mc="http://schemas.openxmlformats.org/markup-compatibility/2006" xmlns:a14="http://schemas.microsoft.com/office/drawing/2010/main">
+        <mc:Choice Requires="a14">
           <p:sp>
             <p:nvSpPr>
               <p:cNvPr id="8" name="TextBox 7"/>
@@ -4175,6 +4182,7 @@
               </a:bodyPr>
               <a:lstStyle/>
               <a:p>
+                <a:pPr/>
                 <a14:m>
                   <m:oMathPara xmlns:m="http://schemas.openxmlformats.org/officeDocument/2006/math">
                     <m:oMathParaPr>
@@ -4195,7 +4203,7 @@
             </p:txBody>
           </p:sp>
         </mc:Choice>
-        <mc:Fallback>
+        <mc:Fallback xmlns="">
           <p:sp>
             <p:nvSpPr>
               <p:cNvPr id="8" name="TextBox 7"/>
@@ -4234,8 +4242,8 @@
           </p:sp>
         </mc:Fallback>
       </mc:AlternateContent>
-      <mc:AlternateContent xmlns:mc="http://schemas.openxmlformats.org/markup-compatibility/2006">
-        <mc:Choice xmlns:a14="http://schemas.microsoft.com/office/drawing/2010/main" Requires="a14">
+      <mc:AlternateContent xmlns:mc="http://schemas.openxmlformats.org/markup-compatibility/2006" xmlns:a14="http://schemas.microsoft.com/office/drawing/2010/main">
+        <mc:Choice Requires="a14">
           <p:sp>
             <p:nvSpPr>
               <p:cNvPr id="9" name="TextBox 8"/>
@@ -4258,6 +4266,7 @@
               </a:bodyPr>
               <a:lstStyle/>
               <a:p>
+                <a:pPr/>
                 <a14:m>
                   <m:oMathPara xmlns:m="http://schemas.openxmlformats.org/officeDocument/2006/math">
                     <m:oMathParaPr>
@@ -4285,7 +4294,7 @@
             </p:txBody>
           </p:sp>
         </mc:Choice>
-        <mc:Fallback>
+        <mc:Fallback xmlns="">
           <p:sp>
             <p:nvSpPr>
               <p:cNvPr id="9" name="TextBox 8"/>
@@ -4710,8 +4719,8 @@
           </a:p>
         </p:txBody>
       </p:sp>
-      <mc:AlternateContent xmlns:mc="http://schemas.openxmlformats.org/markup-compatibility/2006">
-        <mc:Choice xmlns:a14="http://schemas.microsoft.com/office/drawing/2010/main" Requires="a14">
+      <mc:AlternateContent xmlns:mc="http://schemas.openxmlformats.org/markup-compatibility/2006" xmlns:a14="http://schemas.microsoft.com/office/drawing/2010/main">
+        <mc:Choice Requires="a14">
           <p:sp>
             <p:nvSpPr>
               <p:cNvPr id="21" name="TextBox 20"/>
@@ -4734,6 +4743,7 @@
               </a:bodyPr>
               <a:lstStyle/>
               <a:p>
+                <a:pPr/>
                 <a14:m>
                   <m:oMathPara xmlns:m="http://schemas.openxmlformats.org/officeDocument/2006/math">
                     <m:oMathParaPr>
@@ -4773,7 +4783,7 @@
             </p:txBody>
           </p:sp>
         </mc:Choice>
-        <mc:Fallback>
+        <mc:Fallback xmlns="">
           <p:sp>
             <p:nvSpPr>
               <p:cNvPr id="21" name="TextBox 20"/>
@@ -4812,8 +4822,8 @@
           </p:sp>
         </mc:Fallback>
       </mc:AlternateContent>
-      <mc:AlternateContent xmlns:mc="http://schemas.openxmlformats.org/markup-compatibility/2006">
-        <mc:Choice xmlns:a14="http://schemas.microsoft.com/office/drawing/2010/main" Requires="a14">
+      <mc:AlternateContent xmlns:mc="http://schemas.openxmlformats.org/markup-compatibility/2006" xmlns:a14="http://schemas.microsoft.com/office/drawing/2010/main">
+        <mc:Choice Requires="a14">
           <p:sp>
             <p:nvSpPr>
               <p:cNvPr id="22" name="TextBox 21"/>
@@ -4836,6 +4846,7 @@
               </a:bodyPr>
               <a:lstStyle/>
               <a:p>
+                <a:pPr/>
                 <a14:m>
                   <m:oMathPara xmlns:m="http://schemas.openxmlformats.org/officeDocument/2006/math">
                     <m:oMathParaPr>
@@ -4888,7 +4899,7 @@
             </p:txBody>
           </p:sp>
         </mc:Choice>
-        <mc:Fallback>
+        <mc:Fallback xmlns="">
           <p:sp>
             <p:nvSpPr>
               <p:cNvPr id="22" name="TextBox 21"/>
@@ -4927,8 +4938,8 @@
           </p:sp>
         </mc:Fallback>
       </mc:AlternateContent>
-      <mc:AlternateContent xmlns:mc="http://schemas.openxmlformats.org/markup-compatibility/2006">
-        <mc:Choice xmlns:a14="http://schemas.microsoft.com/office/drawing/2010/main" Requires="a14">
+      <mc:AlternateContent xmlns:mc="http://schemas.openxmlformats.org/markup-compatibility/2006" xmlns:a14="http://schemas.microsoft.com/office/drawing/2010/main">
+        <mc:Choice Requires="a14">
           <p:sp>
             <p:nvSpPr>
               <p:cNvPr id="23" name="TextBox 22"/>
@@ -4951,6 +4962,7 @@
               </a:bodyPr>
               <a:lstStyle/>
               <a:p>
+                <a:pPr/>
                 <a14:m>
                   <m:oMathPara xmlns:m="http://schemas.openxmlformats.org/officeDocument/2006/math">
                     <m:oMathParaPr>
@@ -5003,7 +5015,7 @@
             </p:txBody>
           </p:sp>
         </mc:Choice>
-        <mc:Fallback>
+        <mc:Fallback xmlns="">
           <p:sp>
             <p:nvSpPr>
               <p:cNvPr id="23" name="TextBox 22"/>
@@ -5042,8 +5054,8 @@
           </p:sp>
         </mc:Fallback>
       </mc:AlternateContent>
-      <mc:AlternateContent xmlns:mc="http://schemas.openxmlformats.org/markup-compatibility/2006">
-        <mc:Choice xmlns:a14="http://schemas.microsoft.com/office/drawing/2010/main" Requires="a14">
+      <mc:AlternateContent xmlns:mc="http://schemas.openxmlformats.org/markup-compatibility/2006" xmlns:a14="http://schemas.microsoft.com/office/drawing/2010/main">
+        <mc:Choice Requires="a14">
           <p:sp>
             <p:nvSpPr>
               <p:cNvPr id="24" name="TextBox 23"/>
@@ -5066,6 +5078,7 @@
               </a:bodyPr>
               <a:lstStyle/>
               <a:p>
+                <a:pPr/>
                 <a14:m>
                   <m:oMathPara xmlns:m="http://schemas.openxmlformats.org/officeDocument/2006/math">
                     <m:oMathParaPr>
@@ -5105,7 +5118,7 @@
             </p:txBody>
           </p:sp>
         </mc:Choice>
-        <mc:Fallback>
+        <mc:Fallback xmlns="">
           <p:sp>
             <p:nvSpPr>
               <p:cNvPr id="24" name="TextBox 23"/>
@@ -5184,8 +5197,8 @@
           </a:fontRef>
         </p:style>
       </p:cxnSp>
-      <mc:AlternateContent xmlns:mc="http://schemas.openxmlformats.org/markup-compatibility/2006">
-        <mc:Choice xmlns:a14="http://schemas.microsoft.com/office/drawing/2010/main" Requires="a14">
+      <mc:AlternateContent xmlns:mc="http://schemas.openxmlformats.org/markup-compatibility/2006" xmlns:a14="http://schemas.microsoft.com/office/drawing/2010/main">
+        <mc:Choice Requires="a14">
           <p:sp>
             <p:nvSpPr>
               <p:cNvPr id="31" name="TextBox 30"/>
@@ -5208,6 +5221,7 @@
               </a:bodyPr>
               <a:lstStyle/>
               <a:p>
+                <a:pPr/>
                 <a14:m>
                   <m:oMathPara xmlns:m="http://schemas.openxmlformats.org/officeDocument/2006/math">
                     <m:oMathParaPr>
@@ -5260,7 +5274,7 @@
             </p:txBody>
           </p:sp>
         </mc:Choice>
-        <mc:Fallback>
+        <mc:Fallback xmlns="">
           <p:sp>
             <p:nvSpPr>
               <p:cNvPr id="31" name="TextBox 30"/>
@@ -5339,8 +5353,8 @@
           </a:fontRef>
         </p:style>
       </p:cxnSp>
-      <mc:AlternateContent xmlns:mc="http://schemas.openxmlformats.org/markup-compatibility/2006">
-        <mc:Choice xmlns:a14="http://schemas.microsoft.com/office/drawing/2010/main" Requires="a14">
+      <mc:AlternateContent xmlns:mc="http://schemas.openxmlformats.org/markup-compatibility/2006" xmlns:a14="http://schemas.microsoft.com/office/drawing/2010/main">
+        <mc:Choice Requires="a14">
           <p:sp>
             <p:nvSpPr>
               <p:cNvPr id="33" name="TextBox 32"/>
@@ -5363,6 +5377,7 @@
               </a:bodyPr>
               <a:lstStyle/>
               <a:p>
+                <a:pPr/>
                 <a14:m>
                   <m:oMathPara xmlns:m="http://schemas.openxmlformats.org/officeDocument/2006/math">
                     <m:oMathParaPr>
@@ -5415,7 +5430,7 @@
             </p:txBody>
           </p:sp>
         </mc:Choice>
-        <mc:Fallback>
+        <mc:Fallback xmlns="">
           <p:sp>
             <p:nvSpPr>
               <p:cNvPr id="33" name="TextBox 32"/>
@@ -5576,8 +5591,8 @@
           </a:p>
         </p:txBody>
       </p:sp>
-      <mc:AlternateContent xmlns:mc="http://schemas.openxmlformats.org/markup-compatibility/2006">
-        <mc:Choice xmlns:a14="http://schemas.microsoft.com/office/drawing/2010/main" Requires="a14">
+      <mc:AlternateContent xmlns:mc="http://schemas.openxmlformats.org/markup-compatibility/2006" xmlns:a14="http://schemas.microsoft.com/office/drawing/2010/main">
+        <mc:Choice Requires="a14">
           <p:sp>
             <p:nvSpPr>
               <p:cNvPr id="4" name="TextBox 3"/>
@@ -5600,6 +5615,7 @@
               </a:bodyPr>
               <a:lstStyle/>
               <a:p>
+                <a:pPr/>
                 <a14:m>
                   <m:oMathPara xmlns:m="http://schemas.openxmlformats.org/officeDocument/2006/math">
                     <m:oMathParaPr>
@@ -5620,7 +5636,7 @@
             </p:txBody>
           </p:sp>
         </mc:Choice>
-        <mc:Fallback>
+        <mc:Fallback xmlns="">
           <p:sp>
             <p:nvSpPr>
               <p:cNvPr id="4" name="TextBox 3"/>
@@ -5659,8 +5675,8 @@
           </p:sp>
         </mc:Fallback>
       </mc:AlternateContent>
-      <mc:AlternateContent xmlns:mc="http://schemas.openxmlformats.org/markup-compatibility/2006">
-        <mc:Choice xmlns:a14="http://schemas.microsoft.com/office/drawing/2010/main" Requires="a14">
+      <mc:AlternateContent xmlns:mc="http://schemas.openxmlformats.org/markup-compatibility/2006" xmlns:a14="http://schemas.microsoft.com/office/drawing/2010/main">
+        <mc:Choice Requires="a14">
           <p:sp>
             <p:nvSpPr>
               <p:cNvPr id="5" name="TextBox 4"/>
@@ -5683,6 +5699,7 @@
               </a:bodyPr>
               <a:lstStyle/>
               <a:p>
+                <a:pPr/>
                 <a14:m>
                   <m:oMathPara xmlns:m="http://schemas.openxmlformats.org/officeDocument/2006/math">
                     <m:oMathParaPr>
@@ -5710,7 +5727,7 @@
             </p:txBody>
           </p:sp>
         </mc:Choice>
-        <mc:Fallback>
+        <mc:Fallback xmlns="">
           <p:sp>
             <p:nvSpPr>
               <p:cNvPr id="5" name="TextBox 4"/>
@@ -5782,8 +5799,8 @@
           </a:fontRef>
         </p:style>
       </p:cxnSp>
-      <mc:AlternateContent xmlns:mc="http://schemas.openxmlformats.org/markup-compatibility/2006">
-        <mc:Choice xmlns:a14="http://schemas.microsoft.com/office/drawing/2010/main" Requires="a14">
+      <mc:AlternateContent xmlns:mc="http://schemas.openxmlformats.org/markup-compatibility/2006" xmlns:a14="http://schemas.microsoft.com/office/drawing/2010/main">
+        <mc:Choice Requires="a14">
           <p:sp>
             <p:nvSpPr>
               <p:cNvPr id="7" name="TextBox 6"/>
@@ -5806,6 +5823,7 @@
               </a:bodyPr>
               <a:lstStyle/>
               <a:p>
+                <a:pPr/>
                 <a14:m>
                   <m:oMathPara xmlns:m="http://schemas.openxmlformats.org/officeDocument/2006/math">
                     <m:oMathParaPr>
@@ -5845,7 +5863,7 @@
             </p:txBody>
           </p:sp>
         </mc:Choice>
-        <mc:Fallback>
+        <mc:Fallback xmlns="">
           <p:sp>
             <p:nvSpPr>
               <p:cNvPr id="7" name="TextBox 6"/>
@@ -5917,8 +5935,8 @@
           </a:fontRef>
         </p:style>
       </p:cxnSp>
-      <mc:AlternateContent xmlns:mc="http://schemas.openxmlformats.org/markup-compatibility/2006">
-        <mc:Choice xmlns:a14="http://schemas.microsoft.com/office/drawing/2010/main" Requires="a14">
+      <mc:AlternateContent xmlns:mc="http://schemas.openxmlformats.org/markup-compatibility/2006" xmlns:a14="http://schemas.microsoft.com/office/drawing/2010/main">
+        <mc:Choice Requires="a14">
           <p:sp>
             <p:nvSpPr>
               <p:cNvPr id="9" name="TextBox 8"/>
@@ -5941,6 +5959,7 @@
               </a:bodyPr>
               <a:lstStyle/>
               <a:p>
+                <a:pPr/>
                 <a14:m>
                   <m:oMathPara xmlns:m="http://schemas.openxmlformats.org/officeDocument/2006/math">
                     <m:oMathParaPr>
@@ -5980,7 +5999,7 @@
             </p:txBody>
           </p:sp>
         </mc:Choice>
-        <mc:Fallback>
+        <mc:Fallback xmlns="">
           <p:sp>
             <p:nvSpPr>
               <p:cNvPr id="9" name="TextBox 8"/>
@@ -6318,8 +6337,8 @@
           </a:fontRef>
         </p:style>
       </p:cxnSp>
-      <mc:AlternateContent xmlns:mc="http://schemas.openxmlformats.org/markup-compatibility/2006">
-        <mc:Choice xmlns:a14="http://schemas.microsoft.com/office/drawing/2010/main" Requires="a14">
+      <mc:AlternateContent xmlns:mc="http://schemas.openxmlformats.org/markup-compatibility/2006" xmlns:a14="http://schemas.microsoft.com/office/drawing/2010/main">
+        <mc:Choice Requires="a14">
           <p:sp>
             <p:nvSpPr>
               <p:cNvPr id="15" name="TextBox 14"/>
@@ -6342,6 +6361,7 @@
               </a:bodyPr>
               <a:lstStyle/>
               <a:p>
+                <a:pPr/>
                 <a14:m>
                   <m:oMathPara xmlns:m="http://schemas.openxmlformats.org/officeDocument/2006/math">
                     <m:oMathParaPr>
@@ -6381,7 +6401,7 @@
             </p:txBody>
           </p:sp>
         </mc:Choice>
-        <mc:Fallback>
+        <mc:Fallback xmlns="">
           <p:sp>
             <p:nvSpPr>
               <p:cNvPr id="15" name="TextBox 14"/>
@@ -6420,8 +6440,8 @@
           </p:sp>
         </mc:Fallback>
       </mc:AlternateContent>
-      <mc:AlternateContent xmlns:mc="http://schemas.openxmlformats.org/markup-compatibility/2006">
-        <mc:Choice xmlns:a14="http://schemas.microsoft.com/office/drawing/2010/main" Requires="a14">
+      <mc:AlternateContent xmlns:mc="http://schemas.openxmlformats.org/markup-compatibility/2006" xmlns:a14="http://schemas.microsoft.com/office/drawing/2010/main">
+        <mc:Choice Requires="a14">
           <p:sp>
             <p:nvSpPr>
               <p:cNvPr id="16" name="TextBox 15"/>
@@ -6444,6 +6464,7 @@
               </a:bodyPr>
               <a:lstStyle/>
               <a:p>
+                <a:pPr/>
                 <a14:m>
                   <m:oMathPara xmlns:m="http://schemas.openxmlformats.org/officeDocument/2006/math">
                     <m:oMathParaPr>
@@ -6483,7 +6504,7 @@
             </p:txBody>
           </p:sp>
         </mc:Choice>
-        <mc:Fallback>
+        <mc:Fallback xmlns="">
           <p:sp>
             <p:nvSpPr>
               <p:cNvPr id="16" name="TextBox 15"/>
@@ -6522,8 +6543,8 @@
           </p:sp>
         </mc:Fallback>
       </mc:AlternateContent>
-      <mc:AlternateContent xmlns:mc="http://schemas.openxmlformats.org/markup-compatibility/2006">
-        <mc:Choice xmlns:a14="http://schemas.microsoft.com/office/drawing/2010/main" Requires="a14">
+      <mc:AlternateContent xmlns:mc="http://schemas.openxmlformats.org/markup-compatibility/2006" xmlns:a14="http://schemas.microsoft.com/office/drawing/2010/main">
+        <mc:Choice Requires="a14">
           <p:sp>
             <p:nvSpPr>
               <p:cNvPr id="17" name="TextBox 16"/>
@@ -6546,6 +6567,7 @@
               </a:bodyPr>
               <a:lstStyle/>
               <a:p>
+                <a:pPr/>
                 <a14:m>
                   <m:oMathPara xmlns:m="http://schemas.openxmlformats.org/officeDocument/2006/math">
                     <m:oMathParaPr>
@@ -6585,7 +6607,7 @@
             </p:txBody>
           </p:sp>
         </mc:Choice>
-        <mc:Fallback>
+        <mc:Fallback xmlns="">
           <p:sp>
             <p:nvSpPr>
               <p:cNvPr id="17" name="TextBox 16"/>
@@ -6624,8 +6646,8 @@
           </p:sp>
         </mc:Fallback>
       </mc:AlternateContent>
-      <mc:AlternateContent xmlns:mc="http://schemas.openxmlformats.org/markup-compatibility/2006">
-        <mc:Choice xmlns:a14="http://schemas.microsoft.com/office/drawing/2010/main" Requires="a14">
+      <mc:AlternateContent xmlns:mc="http://schemas.openxmlformats.org/markup-compatibility/2006" xmlns:a14="http://schemas.microsoft.com/office/drawing/2010/main">
+        <mc:Choice Requires="a14">
           <p:sp>
             <p:nvSpPr>
               <p:cNvPr id="18" name="TextBox 17"/>
@@ -6648,6 +6670,7 @@
               </a:bodyPr>
               <a:lstStyle/>
               <a:p>
+                <a:pPr/>
                 <a14:m>
                   <m:oMathPara xmlns:m="http://schemas.openxmlformats.org/officeDocument/2006/math">
                     <m:oMathParaPr>
@@ -6687,7 +6710,7 @@
             </p:txBody>
           </p:sp>
         </mc:Choice>
-        <mc:Fallback>
+        <mc:Fallback xmlns="">
           <p:sp>
             <p:nvSpPr>
               <p:cNvPr id="18" name="TextBox 17"/>
@@ -6726,8 +6749,8 @@
           </p:sp>
         </mc:Fallback>
       </mc:AlternateContent>
-      <mc:AlternateContent xmlns:mc="http://schemas.openxmlformats.org/markup-compatibility/2006">
-        <mc:Choice xmlns:a14="http://schemas.microsoft.com/office/drawing/2010/main" Requires="a14">
+      <mc:AlternateContent xmlns:mc="http://schemas.openxmlformats.org/markup-compatibility/2006" xmlns:a14="http://schemas.microsoft.com/office/drawing/2010/main">
+        <mc:Choice Requires="a14">
           <p:sp>
             <p:nvSpPr>
               <p:cNvPr id="19" name="TextBox 18"/>
@@ -6750,6 +6773,7 @@
               </a:bodyPr>
               <a:lstStyle/>
               <a:p>
+                <a:pPr/>
                 <a14:m>
                   <m:oMathPara xmlns:m="http://schemas.openxmlformats.org/officeDocument/2006/math">
                     <m:oMathParaPr>
@@ -6770,7 +6794,7 @@
             </p:txBody>
           </p:sp>
         </mc:Choice>
-        <mc:Fallback>
+        <mc:Fallback xmlns="">
           <p:sp>
             <p:nvSpPr>
               <p:cNvPr id="19" name="TextBox 18"/>
@@ -6809,8 +6833,8 @@
           </p:sp>
         </mc:Fallback>
       </mc:AlternateContent>
-      <mc:AlternateContent xmlns:mc="http://schemas.openxmlformats.org/markup-compatibility/2006">
-        <mc:Choice xmlns:a14="http://schemas.microsoft.com/office/drawing/2010/main" Requires="a14">
+      <mc:AlternateContent xmlns:mc="http://schemas.openxmlformats.org/markup-compatibility/2006" xmlns:a14="http://schemas.microsoft.com/office/drawing/2010/main">
+        <mc:Choice Requires="a14">
           <p:sp>
             <p:nvSpPr>
               <p:cNvPr id="20" name="TextBox 19"/>
@@ -6833,6 +6857,7 @@
               </a:bodyPr>
               <a:lstStyle/>
               <a:p>
+                <a:pPr/>
                 <a14:m>
                   <m:oMathPara xmlns:m="http://schemas.openxmlformats.org/officeDocument/2006/math">
                     <m:oMathParaPr>
@@ -6853,7 +6878,7 @@
             </p:txBody>
           </p:sp>
         </mc:Choice>
-        <mc:Fallback>
+        <mc:Fallback xmlns="">
           <p:sp>
             <p:nvSpPr>
               <p:cNvPr id="20" name="TextBox 19"/>
@@ -6892,8 +6917,8 @@
           </p:sp>
         </mc:Fallback>
       </mc:AlternateContent>
-      <mc:AlternateContent xmlns:mc="http://schemas.openxmlformats.org/markup-compatibility/2006">
-        <mc:Choice xmlns:a14="http://schemas.microsoft.com/office/drawing/2010/main" Requires="a14">
+      <mc:AlternateContent xmlns:mc="http://schemas.openxmlformats.org/markup-compatibility/2006" xmlns:a14="http://schemas.microsoft.com/office/drawing/2010/main">
+        <mc:Choice Requires="a14">
           <p:sp>
             <p:nvSpPr>
               <p:cNvPr id="21" name="TextBox 20"/>
@@ -6916,6 +6941,7 @@
               </a:bodyPr>
               <a:lstStyle/>
               <a:p>
+                <a:pPr/>
                 <a14:m>
                   <m:oMathPara xmlns:m="http://schemas.openxmlformats.org/officeDocument/2006/math">
                     <m:oMathParaPr>
@@ -6936,7 +6962,7 @@
             </p:txBody>
           </p:sp>
         </mc:Choice>
-        <mc:Fallback>
+        <mc:Fallback xmlns="">
           <p:sp>
             <p:nvSpPr>
               <p:cNvPr id="21" name="TextBox 20"/>
@@ -7020,6 +7046,254 @@
     <p:extLst>
       <p:ext uri="{BB962C8B-B14F-4D97-AF65-F5344CB8AC3E}">
         <p14:creationId xmlns:p14="http://schemas.microsoft.com/office/powerpoint/2010/main" val="2974547670"/>
+      </p:ext>
+    </p:extLst>
+  </p:cSld>
+  <p:clrMapOvr>
+    <a:masterClrMapping/>
+  </p:clrMapOvr>
+</p:sld>
+</file>
+
+<file path=ppt/slides/slide6.xml><?xml version="1.0" encoding="utf-8"?>
+<p:sld xmlns:a="http://schemas.openxmlformats.org/drawingml/2006/main" xmlns:r="http://schemas.openxmlformats.org/officeDocument/2006/relationships" xmlns:p="http://schemas.openxmlformats.org/presentationml/2006/main">
+  <p:cSld>
+    <p:spTree>
+      <p:nvGrpSpPr>
+        <p:cNvPr id="1" name=""/>
+        <p:cNvGrpSpPr/>
+        <p:nvPr/>
+      </p:nvGrpSpPr>
+      <p:grpSpPr>
+        <a:xfrm>
+          <a:off x="0" y="0"/>
+          <a:ext cx="0" cy="0"/>
+          <a:chOff x="0" y="0"/>
+          <a:chExt cx="0" cy="0"/>
+        </a:xfrm>
+      </p:grpSpPr>
+      <p:sp>
+        <p:nvSpPr>
+          <p:cNvPr id="2" name="Oval 1"/>
+          <p:cNvSpPr/>
+          <p:nvPr/>
+        </p:nvSpPr>
+        <p:spPr>
+          <a:xfrm>
+            <a:off x="990600" y="2057400"/>
+            <a:ext cx="3962400" cy="3962400"/>
+          </a:xfrm>
+          <a:prstGeom prst="ellipse">
+            <a:avLst/>
+          </a:prstGeom>
+          <a:noFill/>
+          <a:ln>
+            <a:solidFill>
+              <a:schemeClr val="tx1"/>
+            </a:solidFill>
+          </a:ln>
+        </p:spPr>
+        <p:style>
+          <a:lnRef idx="2">
+            <a:schemeClr val="accent1">
+              <a:shade val="50000"/>
+            </a:schemeClr>
+          </a:lnRef>
+          <a:fillRef idx="1">
+            <a:schemeClr val="accent1"/>
+          </a:fillRef>
+          <a:effectRef idx="0">
+            <a:schemeClr val="accent1"/>
+          </a:effectRef>
+          <a:fontRef idx="minor">
+            <a:schemeClr val="lt1"/>
+          </a:fontRef>
+        </p:style>
+        <p:txBody>
+          <a:bodyPr rtlCol="0" anchor="ctr"/>
+          <a:lstStyle/>
+          <a:p>
+            <a:pPr algn="ctr"/>
+            <a:endParaRPr lang="en-US"/>
+          </a:p>
+        </p:txBody>
+      </p:sp>
+      <p:sp>
+        <p:nvSpPr>
+          <p:cNvPr id="3" name="Oval 2"/>
+          <p:cNvSpPr/>
+          <p:nvPr/>
+        </p:nvSpPr>
+        <p:spPr>
+          <a:xfrm>
+            <a:off x="3571954" y="990600"/>
+            <a:ext cx="2319062" cy="2319062"/>
+          </a:xfrm>
+          <a:prstGeom prst="ellipse">
+            <a:avLst/>
+          </a:prstGeom>
+          <a:noFill/>
+          <a:ln>
+            <a:solidFill>
+              <a:schemeClr val="tx1"/>
+            </a:solidFill>
+          </a:ln>
+        </p:spPr>
+        <p:style>
+          <a:lnRef idx="2">
+            <a:schemeClr val="accent1">
+              <a:shade val="50000"/>
+            </a:schemeClr>
+          </a:lnRef>
+          <a:fillRef idx="1">
+            <a:schemeClr val="accent1"/>
+          </a:fillRef>
+          <a:effectRef idx="0">
+            <a:schemeClr val="accent1"/>
+          </a:effectRef>
+          <a:fontRef idx="minor">
+            <a:schemeClr val="lt1"/>
+          </a:fontRef>
+        </p:style>
+        <p:txBody>
+          <a:bodyPr rtlCol="0" anchor="ctr"/>
+          <a:lstStyle/>
+          <a:p>
+            <a:pPr algn="ctr"/>
+            <a:endParaRPr lang="en-US"/>
+          </a:p>
+        </p:txBody>
+      </p:sp>
+      <p:sp>
+        <p:nvSpPr>
+          <p:cNvPr id="4" name="Oval 3"/>
+          <p:cNvSpPr/>
+          <p:nvPr/>
+        </p:nvSpPr>
+        <p:spPr>
+          <a:xfrm>
+            <a:off x="3536058" y="2110299"/>
+            <a:ext cx="76200" cy="76200"/>
+          </a:xfrm>
+          <a:prstGeom prst="ellipse">
+            <a:avLst/>
+          </a:prstGeom>
+          <a:solidFill>
+            <a:schemeClr val="tx1"/>
+          </a:solidFill>
+          <a:ln>
+            <a:solidFill>
+              <a:schemeClr val="tx1"/>
+            </a:solidFill>
+          </a:ln>
+        </p:spPr>
+        <p:style>
+          <a:lnRef idx="2">
+            <a:schemeClr val="accent1">
+              <a:shade val="50000"/>
+            </a:schemeClr>
+          </a:lnRef>
+          <a:fillRef idx="1">
+            <a:schemeClr val="accent1"/>
+          </a:fillRef>
+          <a:effectRef idx="0">
+            <a:schemeClr val="accent1"/>
+          </a:effectRef>
+          <a:fontRef idx="minor">
+            <a:schemeClr val="lt1"/>
+          </a:fontRef>
+        </p:style>
+        <p:txBody>
+          <a:bodyPr rtlCol="0" anchor="ctr"/>
+          <a:lstStyle/>
+          <a:p>
+            <a:pPr algn="ctr"/>
+            <a:endParaRPr lang="en-US"/>
+          </a:p>
+        </p:txBody>
+      </p:sp>
+      <p:sp>
+        <p:nvSpPr>
+          <p:cNvPr id="5" name="Oval 4"/>
+          <p:cNvSpPr/>
+          <p:nvPr/>
+        </p:nvSpPr>
+        <p:spPr>
+          <a:xfrm>
+            <a:off x="4762815" y="3260856"/>
+            <a:ext cx="76200" cy="76200"/>
+          </a:xfrm>
+          <a:prstGeom prst="ellipse">
+            <a:avLst/>
+          </a:prstGeom>
+          <a:solidFill>
+            <a:schemeClr val="tx1"/>
+          </a:solidFill>
+          <a:ln>
+            <a:solidFill>
+              <a:schemeClr val="tx1"/>
+            </a:solidFill>
+          </a:ln>
+        </p:spPr>
+        <p:style>
+          <a:lnRef idx="2">
+            <a:schemeClr val="accent1">
+              <a:shade val="50000"/>
+            </a:schemeClr>
+          </a:lnRef>
+          <a:fillRef idx="1">
+            <a:schemeClr val="accent1"/>
+          </a:fillRef>
+          <a:effectRef idx="0">
+            <a:schemeClr val="accent1"/>
+          </a:effectRef>
+          <a:fontRef idx="minor">
+            <a:schemeClr val="lt1"/>
+          </a:fontRef>
+        </p:style>
+        <p:txBody>
+          <a:bodyPr rtlCol="0" anchor="ctr"/>
+          <a:lstStyle/>
+          <a:p>
+            <a:pPr algn="ctr"/>
+            <a:endParaRPr lang="en-US"/>
+          </a:p>
+        </p:txBody>
+      </p:sp>
+      <p:sp>
+        <p:nvSpPr>
+          <p:cNvPr id="6" name="TextBox 5"/>
+          <p:cNvSpPr txBox="1"/>
+          <p:nvPr/>
+        </p:nvSpPr>
+        <p:spPr>
+          <a:xfrm>
+            <a:off x="3837709" y="2573464"/>
+            <a:ext cx="574516" cy="369332"/>
+          </a:xfrm>
+          <a:prstGeom prst="rect">
+            <a:avLst/>
+          </a:prstGeom>
+          <a:noFill/>
+        </p:spPr>
+        <p:txBody>
+          <a:bodyPr wrap="none" rtlCol="0">
+            <a:spAutoFit/>
+          </a:bodyPr>
+          <a:lstStyle/>
+          <a:p>
+            <a:r>
+              <a:rPr lang="en-US" dirty="0" smtClean="0"/>
+              <a:t>face</a:t>
+            </a:r>
+            <a:endParaRPr lang="en-US" dirty="0"/>
+          </a:p>
+        </p:txBody>
+      </p:sp>
+    </p:spTree>
+    <p:extLst>
+      <p:ext uri="{BB962C8B-B14F-4D97-AF65-F5344CB8AC3E}">
+        <p14:creationId xmlns:p14="http://schemas.microsoft.com/office/powerpoint/2010/main" val="2218957648"/>
       </p:ext>
     </p:extLst>
   </p:cSld>

--- a/Presentation1.pptx
+++ b/Presentation1.pptx
@@ -293,7 +293,7 @@
           <a:p>
             <a:fld id="{4A5E500F-2529-43C5-B0B2-40125BAB04A7}" type="datetimeFigureOut">
               <a:rPr lang="en-US" smtClean="0"/>
-              <a:t>2/14/2014</a:t>
+              <a:t>2/19/2014</a:t>
             </a:fld>
             <a:endParaRPr lang="en-US"/>
           </a:p>
@@ -463,7 +463,7 @@
           <a:p>
             <a:fld id="{4A5E500F-2529-43C5-B0B2-40125BAB04A7}" type="datetimeFigureOut">
               <a:rPr lang="en-US" smtClean="0"/>
-              <a:t>2/14/2014</a:t>
+              <a:t>2/19/2014</a:t>
             </a:fld>
             <a:endParaRPr lang="en-US"/>
           </a:p>
@@ -643,7 +643,7 @@
           <a:p>
             <a:fld id="{4A5E500F-2529-43C5-B0B2-40125BAB04A7}" type="datetimeFigureOut">
               <a:rPr lang="en-US" smtClean="0"/>
-              <a:t>2/14/2014</a:t>
+              <a:t>2/19/2014</a:t>
             </a:fld>
             <a:endParaRPr lang="en-US"/>
           </a:p>
@@ -813,7 +813,7 @@
           <a:p>
             <a:fld id="{4A5E500F-2529-43C5-B0B2-40125BAB04A7}" type="datetimeFigureOut">
               <a:rPr lang="en-US" smtClean="0"/>
-              <a:t>2/14/2014</a:t>
+              <a:t>2/19/2014</a:t>
             </a:fld>
             <a:endParaRPr lang="en-US"/>
           </a:p>
@@ -1059,7 +1059,7 @@
           <a:p>
             <a:fld id="{4A5E500F-2529-43C5-B0B2-40125BAB04A7}" type="datetimeFigureOut">
               <a:rPr lang="en-US" smtClean="0"/>
-              <a:t>2/14/2014</a:t>
+              <a:t>2/19/2014</a:t>
             </a:fld>
             <a:endParaRPr lang="en-US"/>
           </a:p>
@@ -1347,7 +1347,7 @@
           <a:p>
             <a:fld id="{4A5E500F-2529-43C5-B0B2-40125BAB04A7}" type="datetimeFigureOut">
               <a:rPr lang="en-US" smtClean="0"/>
-              <a:t>2/14/2014</a:t>
+              <a:t>2/19/2014</a:t>
             </a:fld>
             <a:endParaRPr lang="en-US"/>
           </a:p>
@@ -1769,7 +1769,7 @@
           <a:p>
             <a:fld id="{4A5E500F-2529-43C5-B0B2-40125BAB04A7}" type="datetimeFigureOut">
               <a:rPr lang="en-US" smtClean="0"/>
-              <a:t>2/14/2014</a:t>
+              <a:t>2/19/2014</a:t>
             </a:fld>
             <a:endParaRPr lang="en-US"/>
           </a:p>
@@ -1887,7 +1887,7 @@
           <a:p>
             <a:fld id="{4A5E500F-2529-43C5-B0B2-40125BAB04A7}" type="datetimeFigureOut">
               <a:rPr lang="en-US" smtClean="0"/>
-              <a:t>2/14/2014</a:t>
+              <a:t>2/19/2014</a:t>
             </a:fld>
             <a:endParaRPr lang="en-US"/>
           </a:p>
@@ -1982,7 +1982,7 @@
           <a:p>
             <a:fld id="{4A5E500F-2529-43C5-B0B2-40125BAB04A7}" type="datetimeFigureOut">
               <a:rPr lang="en-US" smtClean="0"/>
-              <a:t>2/14/2014</a:t>
+              <a:t>2/19/2014</a:t>
             </a:fld>
             <a:endParaRPr lang="en-US"/>
           </a:p>
@@ -2259,7 +2259,7 @@
           <a:p>
             <a:fld id="{4A5E500F-2529-43C5-B0B2-40125BAB04A7}" type="datetimeFigureOut">
               <a:rPr lang="en-US" smtClean="0"/>
-              <a:t>2/14/2014</a:t>
+              <a:t>2/19/2014</a:t>
             </a:fld>
             <a:endParaRPr lang="en-US"/>
           </a:p>
@@ -2512,7 +2512,7 @@
           <a:p>
             <a:fld id="{4A5E500F-2529-43C5-B0B2-40125BAB04A7}" type="datetimeFigureOut">
               <a:rPr lang="en-US" smtClean="0"/>
-              <a:t>2/14/2014</a:t>
+              <a:t>2/19/2014</a:t>
             </a:fld>
             <a:endParaRPr lang="en-US"/>
           </a:p>
@@ -2725,7 +2725,7 @@
           <a:p>
             <a:fld id="{4A5E500F-2529-43C5-B0B2-40125BAB04A7}" type="datetimeFigureOut">
               <a:rPr lang="en-US" smtClean="0"/>
-              <a:t>2/14/2014</a:t>
+              <a:t>2/19/2014</a:t>
             </a:fld>
             <a:endParaRPr lang="en-US"/>
           </a:p>
@@ -3148,6 +3148,13 @@
   <p:clrMapOvr>
     <a:masterClrMapping/>
   </p:clrMapOvr>
+  <p:timing>
+    <p:tnLst>
+      <p:par>
+        <p:cTn id="1" dur="indefinite" restart="never" nodeType="tmRoot"/>
+      </p:par>
+    </p:tnLst>
+  </p:timing>
 </p:sld>
 </file>
 
@@ -3170,51 +3177,6 @@
       </p:grpSpPr>
       <p:sp>
         <p:nvSpPr>
-          <p:cNvPr id="2" name="Arc 1"/>
-          <p:cNvSpPr/>
-          <p:nvPr/>
-        </p:nvSpPr>
-        <p:spPr>
-          <a:xfrm>
-            <a:off x="1651153" y="609600"/>
-            <a:ext cx="4648200" cy="4648200"/>
-          </a:xfrm>
-          <a:prstGeom prst="arc">
-            <a:avLst/>
-          </a:prstGeom>
-          <a:ln w="25400">
-            <a:solidFill>
-              <a:schemeClr val="tx1"/>
-            </a:solidFill>
-            <a:headEnd type="arrow" w="lg" len="lg"/>
-            <a:tailEnd type="none" w="lg" len="lg"/>
-          </a:ln>
-        </p:spPr>
-        <p:style>
-          <a:lnRef idx="1">
-            <a:schemeClr val="accent1"/>
-          </a:lnRef>
-          <a:fillRef idx="0">
-            <a:schemeClr val="accent1"/>
-          </a:fillRef>
-          <a:effectRef idx="0">
-            <a:schemeClr val="accent1"/>
-          </a:effectRef>
-          <a:fontRef idx="minor">
-            <a:schemeClr val="tx1"/>
-          </a:fontRef>
-        </p:style>
-        <p:txBody>
-          <a:bodyPr rtlCol="0" anchor="ctr"/>
-          <a:lstStyle/>
-          <a:p>
-            <a:pPr algn="ctr"/>
-            <a:endParaRPr lang="en-US"/>
-          </a:p>
-        </p:txBody>
-      </p:sp>
-      <p:sp>
-        <p:nvSpPr>
           <p:cNvPr id="3" name="Arc 2"/>
           <p:cNvSpPr/>
           <p:nvPr/>
@@ -3226,7 +3188,7 @@
           </a:xfrm>
           <a:prstGeom prst="arc">
             <a:avLst>
-              <a:gd name="adj1" fmla="val 10799294"/>
+              <a:gd name="adj1" fmla="val 5448303"/>
               <a:gd name="adj2" fmla="val 16199331"/>
             </a:avLst>
           </a:prstGeom>
@@ -3263,7 +3225,7 @@
       </p:sp>
       <p:sp>
         <p:nvSpPr>
-          <p:cNvPr id="4" name="Arc 3"/>
+          <p:cNvPr id="5" name="Arc 4"/>
           <p:cNvSpPr/>
           <p:nvPr/>
         </p:nvSpPr>
@@ -3274,55 +3236,7 @@
           </a:xfrm>
           <a:prstGeom prst="arc">
             <a:avLst>
-              <a:gd name="adj1" fmla="val 5399280"/>
-              <a:gd name="adj2" fmla="val 10765938"/>
-            </a:avLst>
-          </a:prstGeom>
-          <a:ln w="25400">
-            <a:solidFill>
-              <a:schemeClr val="tx1"/>
-            </a:solidFill>
-            <a:headEnd type="arrow" w="lg" len="lg"/>
-            <a:tailEnd type="none" w="lg" len="lg"/>
-          </a:ln>
-        </p:spPr>
-        <p:style>
-          <a:lnRef idx="1">
-            <a:schemeClr val="accent1"/>
-          </a:lnRef>
-          <a:fillRef idx="0">
-            <a:schemeClr val="accent1"/>
-          </a:fillRef>
-          <a:effectRef idx="0">
-            <a:schemeClr val="accent1"/>
-          </a:effectRef>
-          <a:fontRef idx="minor">
-            <a:schemeClr val="tx1"/>
-          </a:fontRef>
-        </p:style>
-        <p:txBody>
-          <a:bodyPr rtlCol="0" anchor="ctr"/>
-          <a:lstStyle/>
-          <a:p>
-            <a:pPr algn="ctr"/>
-            <a:endParaRPr lang="en-US"/>
-          </a:p>
-        </p:txBody>
-      </p:sp>
-      <p:sp>
-        <p:nvSpPr>
-          <p:cNvPr id="5" name="Arc 4"/>
-          <p:cNvSpPr/>
-          <p:nvPr/>
-        </p:nvSpPr>
-        <p:spPr>
-          <a:xfrm>
-            <a:off x="1654366" y="609600"/>
-            <a:ext cx="4648200" cy="4648200"/>
-          </a:xfrm>
-          <a:prstGeom prst="arc">
-            <a:avLst>
-              <a:gd name="adj1" fmla="val 46638"/>
+              <a:gd name="adj1" fmla="val 16283325"/>
               <a:gd name="adj2" fmla="val 5367051"/>
             </a:avLst>
           </a:prstGeom>
@@ -3357,8 +3271,8 @@
           </a:p>
         </p:txBody>
       </p:sp>
-      <mc:AlternateContent xmlns:mc="http://schemas.openxmlformats.org/markup-compatibility/2006" xmlns:a14="http://schemas.microsoft.com/office/drawing/2010/main">
-        <mc:Choice Requires="a14">
+      <mc:AlternateContent xmlns:mc="http://schemas.openxmlformats.org/markup-compatibility/2006">
+        <mc:Choice xmlns:a14="http://schemas.microsoft.com/office/drawing/2010/main" Requires="a14">
           <p:sp>
             <p:nvSpPr>
               <p:cNvPr id="6" name="TextBox 5"/>
@@ -3367,7 +3281,7 @@
             </p:nvSpPr>
             <p:spPr>
               <a:xfrm>
-                <a:off x="1817783" y="674783"/>
+                <a:off x="838200" y="2819399"/>
                 <a:ext cx="649922" cy="584775"/>
               </a:xfrm>
               <a:prstGeom prst="rect">
@@ -3421,7 +3335,7 @@
             </p:txBody>
           </p:sp>
         </mc:Choice>
-        <mc:Fallback xmlns="">
+        <mc:Fallback>
           <p:sp>
             <p:nvSpPr>
               <p:cNvPr id="6" name="TextBox 5"/>
@@ -3432,7 +3346,7 @@
             </p:nvSpPr>
             <p:spPr>
               <a:xfrm>
-                <a:off x="1817783" y="674783"/>
+                <a:off x="838200" y="2819399"/>
                 <a:ext cx="649922" cy="584775"/>
               </a:xfrm>
               <a:prstGeom prst="rect">
@@ -3460,8 +3374,8 @@
           </p:sp>
         </mc:Fallback>
       </mc:AlternateContent>
-      <mc:AlternateContent xmlns:mc="http://schemas.openxmlformats.org/markup-compatibility/2006" xmlns:a14="http://schemas.microsoft.com/office/drawing/2010/main">
-        <mc:Choice Requires="a14">
+      <mc:AlternateContent xmlns:mc="http://schemas.openxmlformats.org/markup-compatibility/2006">
+        <mc:Choice xmlns:a14="http://schemas.microsoft.com/office/drawing/2010/main" Requires="a14">
           <p:sp>
             <p:nvSpPr>
               <p:cNvPr id="7" name="TextBox 6"/>
@@ -3470,7 +3384,7 @@
             </p:nvSpPr>
             <p:spPr>
               <a:xfrm>
-                <a:off x="1665310" y="4343400"/>
+                <a:off x="6400800" y="2819400"/>
                 <a:ext cx="659411" cy="584775"/>
               </a:xfrm>
               <a:prstGeom prst="rect">
@@ -3524,7 +3438,7 @@
             </p:txBody>
           </p:sp>
         </mc:Choice>
-        <mc:Fallback xmlns="">
+        <mc:Fallback>
           <p:sp>
             <p:nvSpPr>
               <p:cNvPr id="7" name="TextBox 6"/>
@@ -3535,7 +3449,7 @@
             </p:nvSpPr>
             <p:spPr>
               <a:xfrm>
-                <a:off x="1665310" y="4343400"/>
+                <a:off x="6400800" y="2819400"/>
                 <a:ext cx="659411" cy="584775"/>
               </a:xfrm>
               <a:prstGeom prst="rect">
@@ -3543,212 +3457,6 @@
               </a:prstGeom>
               <a:blipFill rotWithShape="1">
                 <a:blip r:embed="rId3"/>
-                <a:stretch>
-                  <a:fillRect/>
-                </a:stretch>
-              </a:blipFill>
-            </p:spPr>
-            <p:txBody>
-              <a:bodyPr/>
-              <a:lstStyle/>
-              <a:p>
-                <a:r>
-                  <a:rPr lang="en-US">
-                    <a:noFill/>
-                  </a:rPr>
-                  <a:t> </a:t>
-                </a:r>
-              </a:p>
-            </p:txBody>
-          </p:sp>
-        </mc:Fallback>
-      </mc:AlternateContent>
-      <mc:AlternateContent xmlns:mc="http://schemas.openxmlformats.org/markup-compatibility/2006" xmlns:a14="http://schemas.microsoft.com/office/drawing/2010/main">
-        <mc:Choice Requires="a14">
-          <p:sp>
-            <p:nvSpPr>
-              <p:cNvPr id="8" name="TextBox 7"/>
-              <p:cNvSpPr txBox="1"/>
-              <p:nvPr/>
-            </p:nvSpPr>
-            <p:spPr>
-              <a:xfrm>
-                <a:off x="5486400" y="4495800"/>
-                <a:ext cx="659411" cy="584775"/>
-              </a:xfrm>
-              <a:prstGeom prst="rect">
-                <a:avLst/>
-              </a:prstGeom>
-              <a:noFill/>
-            </p:spPr>
-            <p:txBody>
-              <a:bodyPr wrap="none" rtlCol="0">
-                <a:spAutoFit/>
-              </a:bodyPr>
-              <a:lstStyle/>
-              <a:p>
-                <a:pPr/>
-                <a14:m>
-                  <m:oMathPara xmlns:m="http://schemas.openxmlformats.org/officeDocument/2006/math">
-                    <m:oMathParaPr>
-                      <m:jc m:val="centerGroup"/>
-                    </m:oMathParaPr>
-                    <m:oMath xmlns:m="http://schemas.openxmlformats.org/officeDocument/2006/math">
-                      <m:sSub>
-                        <m:sSubPr>
-                          <m:ctrlPr>
-                            <a:rPr lang="en-US" sz="3200" i="1" smtClean="0">
-                              <a:latin typeface="Cambria Math"/>
-                            </a:rPr>
-                          </m:ctrlPr>
-                        </m:sSubPr>
-                        <m:e>
-                          <m:r>
-                            <a:rPr lang="en-US" sz="3200" b="0" i="1" smtClean="0">
-                              <a:latin typeface="Cambria Math"/>
-                            </a:rPr>
-                            <m:t>𝑒</m:t>
-                          </m:r>
-                        </m:e>
-                        <m:sub>
-                          <m:r>
-                            <a:rPr lang="en-US" sz="3200" b="0" i="1" smtClean="0">
-                              <a:latin typeface="Cambria Math"/>
-                            </a:rPr>
-                            <m:t>3</m:t>
-                          </m:r>
-                        </m:sub>
-                      </m:sSub>
-                    </m:oMath>
-                  </m:oMathPara>
-                </a14:m>
-                <a:endParaRPr lang="en-US" sz="3200" dirty="0"/>
-              </a:p>
-            </p:txBody>
-          </p:sp>
-        </mc:Choice>
-        <mc:Fallback xmlns="">
-          <p:sp>
-            <p:nvSpPr>
-              <p:cNvPr id="8" name="TextBox 7"/>
-              <p:cNvSpPr txBox="1">
-                <a:spLocks noRot="1" noChangeAspect="1" noMove="1" noResize="1" noEditPoints="1" noAdjustHandles="1" noChangeArrowheads="1" noChangeShapeType="1" noTextEdit="1"/>
-              </p:cNvSpPr>
-              <p:nvPr/>
-            </p:nvSpPr>
-            <p:spPr>
-              <a:xfrm>
-                <a:off x="5486400" y="4495800"/>
-                <a:ext cx="659411" cy="584775"/>
-              </a:xfrm>
-              <a:prstGeom prst="rect">
-                <a:avLst/>
-              </a:prstGeom>
-              <a:blipFill rotWithShape="1">
-                <a:blip r:embed="rId4"/>
-                <a:stretch>
-                  <a:fillRect/>
-                </a:stretch>
-              </a:blipFill>
-            </p:spPr>
-            <p:txBody>
-              <a:bodyPr/>
-              <a:lstStyle/>
-              <a:p>
-                <a:r>
-                  <a:rPr lang="en-US">
-                    <a:noFill/>
-                  </a:rPr>
-                  <a:t> </a:t>
-                </a:r>
-              </a:p>
-            </p:txBody>
-          </p:sp>
-        </mc:Fallback>
-      </mc:AlternateContent>
-      <mc:AlternateContent xmlns:mc="http://schemas.openxmlformats.org/markup-compatibility/2006" xmlns:a14="http://schemas.microsoft.com/office/drawing/2010/main">
-        <mc:Choice Requires="a14">
-          <p:sp>
-            <p:nvSpPr>
-              <p:cNvPr id="9" name="TextBox 8"/>
-              <p:cNvSpPr txBox="1"/>
-              <p:nvPr/>
-            </p:nvSpPr>
-            <p:spPr>
-              <a:xfrm>
-                <a:off x="5643155" y="838200"/>
-                <a:ext cx="659411" cy="584775"/>
-              </a:xfrm>
-              <a:prstGeom prst="rect">
-                <a:avLst/>
-              </a:prstGeom>
-              <a:noFill/>
-            </p:spPr>
-            <p:txBody>
-              <a:bodyPr wrap="none" rtlCol="0">
-                <a:spAutoFit/>
-              </a:bodyPr>
-              <a:lstStyle/>
-              <a:p>
-                <a:pPr/>
-                <a14:m>
-                  <m:oMathPara xmlns:m="http://schemas.openxmlformats.org/officeDocument/2006/math">
-                    <m:oMathParaPr>
-                      <m:jc m:val="centerGroup"/>
-                    </m:oMathParaPr>
-                    <m:oMath xmlns:m="http://schemas.openxmlformats.org/officeDocument/2006/math">
-                      <m:sSub>
-                        <m:sSubPr>
-                          <m:ctrlPr>
-                            <a:rPr lang="en-US" sz="3200" i="1" smtClean="0">
-                              <a:latin typeface="Cambria Math"/>
-                            </a:rPr>
-                          </m:ctrlPr>
-                        </m:sSubPr>
-                        <m:e>
-                          <m:r>
-                            <a:rPr lang="en-US" sz="3200" b="0" i="1" smtClean="0">
-                              <a:latin typeface="Cambria Math"/>
-                            </a:rPr>
-                            <m:t>𝑒</m:t>
-                          </m:r>
-                        </m:e>
-                        <m:sub>
-                          <m:r>
-                            <a:rPr lang="en-US" sz="3200" b="0" i="1" smtClean="0">
-                              <a:latin typeface="Cambria Math"/>
-                            </a:rPr>
-                            <m:t>4</m:t>
-                          </m:r>
-                        </m:sub>
-                      </m:sSub>
-                    </m:oMath>
-                  </m:oMathPara>
-                </a14:m>
-                <a:endParaRPr lang="en-US" sz="3200" dirty="0"/>
-              </a:p>
-            </p:txBody>
-          </p:sp>
-        </mc:Choice>
-        <mc:Fallback xmlns="">
-          <p:sp>
-            <p:nvSpPr>
-              <p:cNvPr id="9" name="TextBox 8"/>
-              <p:cNvSpPr txBox="1">
-                <a:spLocks noRot="1" noChangeAspect="1" noMove="1" noResize="1" noEditPoints="1" noAdjustHandles="1" noChangeArrowheads="1" noChangeShapeType="1" noTextEdit="1"/>
-              </p:cNvSpPr>
-              <p:nvPr/>
-            </p:nvSpPr>
-            <p:spPr>
-              <a:xfrm>
-                <a:off x="5643155" y="838200"/>
-                <a:ext cx="659411" cy="584775"/>
-              </a:xfrm>
-              <a:prstGeom prst="rect">
-                <a:avLst/>
-              </a:prstGeom>
-              <a:blipFill rotWithShape="1">
-                <a:blip r:embed="rId5"/>
                 <a:stretch>
                   <a:fillRect/>
                 </a:stretch>
@@ -3779,6 +3487,13 @@
   <p:clrMapOvr>
     <a:masterClrMapping/>
   </p:clrMapOvr>
+  <p:timing>
+    <p:tnLst>
+      <p:par>
+        <p:cTn id="1" dur="indefinite" restart="never" nodeType="tmRoot"/>
+      </p:par>
+    </p:tnLst>
+  </p:timing>
 </p:sld>
 </file>
 
@@ -5479,6 +5194,13 @@
   <p:clrMapOvr>
     <a:masterClrMapping/>
   </p:clrMapOvr>
+  <p:timing>
+    <p:tnLst>
+      <p:par>
+        <p:cTn id="1" dur="indefinite" restart="never" nodeType="tmRoot"/>
+      </p:par>
+    </p:tnLst>
+  </p:timing>
 </p:sld>
 </file>
 
@@ -6085,6 +5807,13 @@
   <p:clrMapOvr>
     <a:masterClrMapping/>
   </p:clrMapOvr>
+  <p:timing>
+    <p:tnLst>
+      <p:par>
+        <p:cTn id="1" dur="indefinite" restart="never" nodeType="tmRoot"/>
+      </p:par>
+    </p:tnLst>
+  </p:timing>
 </p:sld>
 </file>
 
